--- a/Data science bootcamp t5.pptx
+++ b/Data science bootcamp t5.pptx
@@ -6,10 +6,13 @@
   </p:sldMasterIdLst>
   <p:sldIdLst>
     <p:sldId id="256" r:id="rId2"/>
-    <p:sldId id="257" r:id="rId3"/>
-    <p:sldId id="258" r:id="rId4"/>
-    <p:sldId id="259" r:id="rId5"/>
-    <p:sldId id="261" r:id="rId6"/>
+    <p:sldId id="264" r:id="rId3"/>
+    <p:sldId id="257" r:id="rId4"/>
+    <p:sldId id="262" r:id="rId5"/>
+    <p:sldId id="263" r:id="rId6"/>
+    <p:sldId id="258" r:id="rId7"/>
+    <p:sldId id="259" r:id="rId8"/>
+    <p:sldId id="261" r:id="rId9"/>
   </p:sldIdLst>
   <p:sldSz cx="12192000" cy="6858000"/>
   <p:notesSz cx="6858000" cy="9144000"/>
@@ -108,6 +111,11 @@
       </a:defRPr>
     </a:lvl9pPr>
   </p:defaultTextStyle>
+  <p:extLst>
+    <p:ext uri="{EFAFB233-063F-42B5-8137-9DF3F51BA10A}">
+      <p15:sldGuideLst xmlns:p15="http://schemas.microsoft.com/office/powerpoint/2012/main"/>
+    </p:ext>
+  </p:extLst>
 </p:presentation>
 </file>
 
@@ -4061,6 +4069,100 @@
           <a:lstStyle/>
           <a:p>
             <a:r>
+              <a:rPr lang="en-US" dirty="0" smtClean="0"/>
+              <a:t>outline</a:t>
+            </a:r>
+            <a:endParaRPr lang="ar-SA" dirty="0"/>
+          </a:p>
+        </p:txBody>
+      </p:sp>
+      <p:sp>
+        <p:nvSpPr>
+          <p:cNvPr id="3" name="عنصر نائب للمحتوى 2"/>
+          <p:cNvSpPr>
+            <a:spLocks noGrp="1"/>
+          </p:cNvSpPr>
+          <p:nvPr>
+            <p:ph idx="1"/>
+          </p:nvPr>
+        </p:nvSpPr>
+        <p:spPr/>
+        <p:txBody>
+          <a:bodyPr/>
+          <a:lstStyle/>
+          <a:p>
+            <a:r>
+              <a:rPr lang="en-US" dirty="0" smtClean="0"/>
+              <a:t>Summary</a:t>
+            </a:r>
+          </a:p>
+          <a:p>
+            <a:r>
+              <a:rPr lang="en-US" dirty="0" smtClean="0"/>
+              <a:t>Data set</a:t>
+            </a:r>
+          </a:p>
+          <a:p>
+            <a:r>
+              <a:rPr lang="en-US" dirty="0" smtClean="0"/>
+              <a:t>Work</a:t>
+            </a:r>
+          </a:p>
+          <a:p>
+            <a:r>
+              <a:rPr lang="en-US" dirty="0"/>
+              <a:t>Conclusion</a:t>
+            </a:r>
+            <a:endParaRPr lang="ar-SA" dirty="0"/>
+          </a:p>
+        </p:txBody>
+      </p:sp>
+    </p:spTree>
+    <p:extLst>
+      <p:ext uri="{BB962C8B-B14F-4D97-AF65-F5344CB8AC3E}">
+        <p14:creationId xmlns:p14="http://schemas.microsoft.com/office/powerpoint/2010/main" val="252862030"/>
+      </p:ext>
+    </p:extLst>
+  </p:cSld>
+  <p:clrMapOvr>
+    <a:masterClrMapping/>
+  </p:clrMapOvr>
+</p:sld>
+</file>
+
+<file path=ppt/slides/slide3.xml><?xml version="1.0" encoding="utf-8"?>
+<p:sld xmlns:a="http://schemas.openxmlformats.org/drawingml/2006/main" xmlns:r="http://schemas.openxmlformats.org/officeDocument/2006/relationships" xmlns:p="http://schemas.openxmlformats.org/presentationml/2006/main">
+  <p:cSld>
+    <p:spTree>
+      <p:nvGrpSpPr>
+        <p:cNvPr id="1" name=""/>
+        <p:cNvGrpSpPr/>
+        <p:nvPr/>
+      </p:nvGrpSpPr>
+      <p:grpSpPr>
+        <a:xfrm>
+          <a:off x="0" y="0"/>
+          <a:ext cx="0" cy="0"/>
+          <a:chOff x="0" y="0"/>
+          <a:chExt cx="0" cy="0"/>
+        </a:xfrm>
+      </p:grpSpPr>
+      <p:sp>
+        <p:nvSpPr>
+          <p:cNvPr id="2" name="عنوان 1"/>
+          <p:cNvSpPr>
+            <a:spLocks noGrp="1"/>
+          </p:cNvSpPr>
+          <p:nvPr>
+            <p:ph type="title"/>
+          </p:nvPr>
+        </p:nvSpPr>
+        <p:spPr/>
+        <p:txBody>
+          <a:bodyPr/>
+          <a:lstStyle/>
+          <a:p>
+            <a:r>
               <a:rPr lang="en-001" dirty="0" smtClean="0"/>
               <a:t>summary</a:t>
             </a:r>
@@ -4110,7 +4212,377 @@
 </p:sld>
 </file>
 
-<file path=ppt/slides/slide3.xml><?xml version="1.0" encoding="utf-8"?>
+<file path=ppt/slides/slide4.xml><?xml version="1.0" encoding="utf-8"?>
+<p:sld xmlns:a="http://schemas.openxmlformats.org/drawingml/2006/main" xmlns:r="http://schemas.openxmlformats.org/officeDocument/2006/relationships" xmlns:p="http://schemas.openxmlformats.org/presentationml/2006/main">
+  <p:cSld>
+    <p:spTree>
+      <p:nvGrpSpPr>
+        <p:cNvPr id="1" name=""/>
+        <p:cNvGrpSpPr/>
+        <p:nvPr/>
+      </p:nvGrpSpPr>
+      <p:grpSpPr>
+        <a:xfrm>
+          <a:off x="0" y="0"/>
+          <a:ext cx="0" cy="0"/>
+          <a:chOff x="0" y="0"/>
+          <a:chExt cx="0" cy="0"/>
+        </a:xfrm>
+      </p:grpSpPr>
+      <p:sp>
+        <p:nvSpPr>
+          <p:cNvPr id="2" name="عنوان 1"/>
+          <p:cNvSpPr>
+            <a:spLocks noGrp="1"/>
+          </p:cNvSpPr>
+          <p:nvPr>
+            <p:ph type="title"/>
+          </p:nvPr>
+        </p:nvSpPr>
+        <p:spPr>
+          <a:xfrm>
+            <a:off x="1069848" y="83128"/>
+            <a:ext cx="10058400" cy="600363"/>
+          </a:xfrm>
+        </p:spPr>
+        <p:txBody>
+          <a:bodyPr>
+            <a:normAutofit fontScale="90000"/>
+          </a:bodyPr>
+          <a:lstStyle/>
+          <a:p>
+            <a:r>
+              <a:rPr lang="en-US" dirty="0" smtClean="0"/>
+              <a:t>D</a:t>
+            </a:r>
+            <a:r>
+              <a:rPr lang="en-001" dirty="0" smtClean="0"/>
+              <a:t>ata set</a:t>
+            </a:r>
+            <a:endParaRPr lang="ar-SA" dirty="0"/>
+          </a:p>
+        </p:txBody>
+      </p:sp>
+      <p:sp>
+        <p:nvSpPr>
+          <p:cNvPr id="3" name="عنصر نائب للمحتوى 2"/>
+          <p:cNvSpPr>
+            <a:spLocks noGrp="1"/>
+          </p:cNvSpPr>
+          <p:nvPr>
+            <p:ph idx="1"/>
+          </p:nvPr>
+        </p:nvSpPr>
+        <p:spPr>
+          <a:xfrm>
+            <a:off x="1069847" y="581891"/>
+            <a:ext cx="10309353" cy="6169891"/>
+          </a:xfrm>
+        </p:spPr>
+        <p:txBody>
+          <a:bodyPr>
+            <a:noAutofit/>
+          </a:bodyPr>
+          <a:lstStyle/>
+          <a:p>
+            <a:r>
+              <a:rPr lang="en-001" sz="700" dirty="0" smtClean="0"/>
+              <a:t> </a:t>
+            </a:r>
+            <a:r>
+              <a:rPr lang="en-US" b="1" dirty="0"/>
+              <a:t>The data size is 3.04 MB </a:t>
+            </a:r>
+          </a:p>
+          <a:p>
+            <a:r>
+              <a:rPr lang="en-US" b="1" dirty="0"/>
+              <a:t>       - ID </a:t>
+            </a:r>
+          </a:p>
+          <a:p>
+            <a:r>
+              <a:rPr lang="en-US" b="1" dirty="0"/>
+              <a:t>       - Gender </a:t>
+            </a:r>
+          </a:p>
+          <a:p>
+            <a:r>
+              <a:rPr lang="en-US" b="1" dirty="0"/>
+              <a:t>       - Customer </a:t>
+            </a:r>
+          </a:p>
+          <a:p>
+            <a:r>
+              <a:rPr lang="en-US" b="1" dirty="0"/>
+              <a:t>       -  Age </a:t>
+            </a:r>
+          </a:p>
+          <a:p>
+            <a:pPr lvl="0"/>
+            <a:r>
+              <a:rPr lang="en-US" b="1" dirty="0"/>
+              <a:t> Type of travel </a:t>
+            </a:r>
+          </a:p>
+          <a:p>
+            <a:pPr lvl="0"/>
+            <a:r>
+              <a:rPr lang="en-US" b="1" dirty="0"/>
+              <a:t>Class </a:t>
+            </a:r>
+          </a:p>
+          <a:p>
+            <a:pPr lvl="0"/>
+            <a:r>
+              <a:rPr lang="en-US" b="1" dirty="0"/>
+              <a:t> Flight Distance </a:t>
+            </a:r>
+          </a:p>
+          <a:p>
+            <a:pPr lvl="0"/>
+            <a:r>
+              <a:rPr lang="en-US" b="1" dirty="0"/>
+              <a:t>Inflight </a:t>
+            </a:r>
+            <a:r>
+              <a:rPr lang="en-US" b="1" dirty="0" err="1"/>
+              <a:t>wifi</a:t>
+            </a:r>
+            <a:r>
+              <a:rPr lang="en-US" b="1" dirty="0"/>
+              <a:t> service </a:t>
+            </a:r>
+          </a:p>
+          <a:p>
+            <a:pPr lvl="0"/>
+            <a:r>
+              <a:rPr lang="en-US" b="1" dirty="0"/>
+              <a:t>Departure/Arrival time convenient </a:t>
+            </a:r>
+          </a:p>
+          <a:p>
+            <a:pPr lvl="0"/>
+            <a:r>
+              <a:rPr lang="en-US" b="1" dirty="0"/>
+              <a:t>Ease of Online booking </a:t>
+            </a:r>
+          </a:p>
+          <a:p>
+            <a:pPr lvl="0"/>
+            <a:r>
+              <a:rPr lang="en-US" b="1" dirty="0"/>
+              <a:t> Gate location </a:t>
+            </a:r>
+          </a:p>
+          <a:p>
+            <a:pPr lvl="0"/>
+            <a:r>
+              <a:rPr lang="en-US" b="1" dirty="0"/>
+              <a:t> Food and drink </a:t>
+            </a:r>
+          </a:p>
+        </p:txBody>
+      </p:sp>
+    </p:spTree>
+    <p:extLst>
+      <p:ext uri="{BB962C8B-B14F-4D97-AF65-F5344CB8AC3E}">
+        <p14:creationId xmlns:p14="http://schemas.microsoft.com/office/powerpoint/2010/main" val="3469585185"/>
+      </p:ext>
+    </p:extLst>
+  </p:cSld>
+  <p:clrMapOvr>
+    <a:masterClrMapping/>
+  </p:clrMapOvr>
+</p:sld>
+</file>
+
+<file path=ppt/slides/slide5.xml><?xml version="1.0" encoding="utf-8"?>
+<p:sld xmlns:a="http://schemas.openxmlformats.org/drawingml/2006/main" xmlns:r="http://schemas.openxmlformats.org/officeDocument/2006/relationships" xmlns:p="http://schemas.openxmlformats.org/presentationml/2006/main">
+  <p:cSld>
+    <p:spTree>
+      <p:nvGrpSpPr>
+        <p:cNvPr id="1" name=""/>
+        <p:cNvGrpSpPr/>
+        <p:nvPr/>
+      </p:nvGrpSpPr>
+      <p:grpSpPr>
+        <a:xfrm>
+          <a:off x="0" y="0"/>
+          <a:ext cx="0" cy="0"/>
+          <a:chOff x="0" y="0"/>
+          <a:chExt cx="0" cy="0"/>
+        </a:xfrm>
+      </p:grpSpPr>
+      <p:sp>
+        <p:nvSpPr>
+          <p:cNvPr id="2" name="عنوان 1"/>
+          <p:cNvSpPr>
+            <a:spLocks noGrp="1"/>
+          </p:cNvSpPr>
+          <p:nvPr>
+            <p:ph type="title"/>
+          </p:nvPr>
+        </p:nvSpPr>
+        <p:spPr>
+          <a:xfrm>
+            <a:off x="1069848" y="484632"/>
+            <a:ext cx="10058400" cy="161913"/>
+          </a:xfrm>
+        </p:spPr>
+        <p:txBody>
+          <a:bodyPr>
+            <a:normAutofit fontScale="90000"/>
+          </a:bodyPr>
+          <a:lstStyle/>
+          <a:p>
+            <a:r>
+              <a:rPr lang="en-US" dirty="0" smtClean="0"/>
+              <a:t>D</a:t>
+            </a:r>
+            <a:r>
+              <a:rPr lang="en-001" dirty="0" smtClean="0"/>
+              <a:t>ata set</a:t>
+            </a:r>
+            <a:endParaRPr lang="ar-SA" dirty="0"/>
+          </a:p>
+        </p:txBody>
+      </p:sp>
+      <p:sp>
+        <p:nvSpPr>
+          <p:cNvPr id="3" name="عنصر نائب للمحتوى 2"/>
+          <p:cNvSpPr>
+            <a:spLocks noGrp="1"/>
+          </p:cNvSpPr>
+          <p:nvPr>
+            <p:ph idx="1"/>
+          </p:nvPr>
+        </p:nvSpPr>
+        <p:spPr>
+          <a:xfrm>
+            <a:off x="1069848" y="822036"/>
+            <a:ext cx="10058400" cy="5350164"/>
+          </a:xfrm>
+        </p:spPr>
+        <p:txBody>
+          <a:bodyPr>
+            <a:normAutofit/>
+          </a:bodyPr>
+          <a:lstStyle/>
+          <a:p>
+            <a:pPr lvl="0"/>
+            <a:r>
+              <a:rPr lang="en-US" b="1" dirty="0"/>
+              <a:t> Online boarding </a:t>
+            </a:r>
+          </a:p>
+          <a:p>
+            <a:pPr lvl="0"/>
+            <a:r>
+              <a:rPr lang="en-US" b="1" dirty="0"/>
+              <a:t>Seat comfort </a:t>
+            </a:r>
+          </a:p>
+          <a:p>
+            <a:pPr lvl="0"/>
+            <a:r>
+              <a:rPr lang="en-US" b="1" dirty="0"/>
+              <a:t> Inflight entertainment </a:t>
+            </a:r>
+          </a:p>
+          <a:p>
+            <a:pPr lvl="0"/>
+            <a:r>
+              <a:rPr lang="en-US" b="1" dirty="0"/>
+              <a:t>On-board service </a:t>
+            </a:r>
+          </a:p>
+          <a:p>
+            <a:pPr lvl="0"/>
+            <a:r>
+              <a:rPr lang="en-US" b="1" dirty="0"/>
+              <a:t> Leg room service </a:t>
+            </a:r>
+          </a:p>
+          <a:p>
+            <a:pPr lvl="0"/>
+            <a:r>
+              <a:rPr lang="en-US" b="1" dirty="0"/>
+              <a:t> Baggage handling </a:t>
+            </a:r>
+          </a:p>
+          <a:p>
+            <a:pPr lvl="0"/>
+            <a:r>
+              <a:rPr lang="en-US" b="1" dirty="0" err="1"/>
+              <a:t>Checkin</a:t>
+            </a:r>
+            <a:r>
+              <a:rPr lang="en-US" b="1" dirty="0"/>
+              <a:t> service </a:t>
+            </a:r>
+          </a:p>
+          <a:p>
+            <a:pPr lvl="0"/>
+            <a:r>
+              <a:rPr lang="en-US" b="1" dirty="0" err="1"/>
+              <a:t>nflight</a:t>
+            </a:r>
+            <a:r>
+              <a:rPr lang="en-US" b="1" dirty="0"/>
+              <a:t> service </a:t>
+            </a:r>
+          </a:p>
+          <a:p>
+            <a:pPr lvl="0"/>
+            <a:r>
+              <a:rPr lang="en-US" b="1" dirty="0"/>
+              <a:t>Cleanliness </a:t>
+            </a:r>
+          </a:p>
+          <a:p>
+            <a:pPr lvl="0"/>
+            <a:r>
+              <a:rPr lang="en-US" b="1" dirty="0"/>
+              <a:t>Departure Delay in Minutes </a:t>
+            </a:r>
+          </a:p>
+          <a:p>
+            <a:pPr lvl="0"/>
+            <a:r>
+              <a:rPr lang="en-US" b="1" dirty="0"/>
+              <a:t>Arrival Delay in Minutes </a:t>
+            </a:r>
+          </a:p>
+          <a:p>
+            <a:pPr lvl="0"/>
+            <a:r>
+              <a:rPr lang="en-US" b="1" dirty="0"/>
+              <a:t>Target: Satisfaction </a:t>
+            </a:r>
+          </a:p>
+          <a:p>
+            <a:pPr marL="0" indent="0">
+              <a:buNone/>
+            </a:pPr>
+            <a:endParaRPr lang="ar-SA" dirty="0"/>
+          </a:p>
+        </p:txBody>
+      </p:sp>
+    </p:spTree>
+    <p:extLst>
+      <p:ext uri="{BB962C8B-B14F-4D97-AF65-F5344CB8AC3E}">
+        <p14:creationId xmlns:p14="http://schemas.microsoft.com/office/powerpoint/2010/main" val="2131231872"/>
+      </p:ext>
+    </p:extLst>
+  </p:cSld>
+  <p:clrMapOvr>
+    <a:masterClrMapping/>
+  </p:clrMapOvr>
+</p:sld>
+</file>
+
+<file path=ppt/slides/slide6.xml><?xml version="1.0" encoding="utf-8"?>
 <p:sld xmlns:a="http://schemas.openxmlformats.org/drawingml/2006/main" xmlns:r="http://schemas.openxmlformats.org/officeDocument/2006/relationships" xmlns:p="http://schemas.openxmlformats.org/presentationml/2006/main">
   <p:cSld>
     <p:spTree>
@@ -4377,7 +4849,7 @@
 </p:sld>
 </file>
 
-<file path=ppt/slides/slide4.xml><?xml version="1.0" encoding="utf-8"?>
+<file path=ppt/slides/slide7.xml><?xml version="1.0" encoding="utf-8"?>
 <p:sld xmlns:a="http://schemas.openxmlformats.org/drawingml/2006/main" xmlns:r="http://schemas.openxmlformats.org/officeDocument/2006/relationships" xmlns:p="http://schemas.openxmlformats.org/presentationml/2006/main">
   <p:cSld>
     <p:spTree>
@@ -4539,7 +5011,7 @@
 </p:sld>
 </file>
 
-<file path=ppt/slides/slide5.xml><?xml version="1.0" encoding="utf-8"?>
+<file path=ppt/slides/slide8.xml><?xml version="1.0" encoding="utf-8"?>
 <p:sld xmlns:a="http://schemas.openxmlformats.org/drawingml/2006/main" xmlns:r="http://schemas.openxmlformats.org/officeDocument/2006/relationships" xmlns:p="http://schemas.openxmlformats.org/presentationml/2006/main">
   <p:cSld>
     <p:spTree>
